--- a/相关文档/新建 Microsoft PowerPoint 幻灯片放映.pptx
+++ b/相关文档/新建 Microsoft PowerPoint 幻灯片放映.pptx
@@ -6,7 +6,9 @@
   </p:sldMasterIdLst>
   <p:sldIdLst>
     <p:sldId id="256" r:id="rId3"/>
-    <p:sldId id="257" r:id="rId4"/>
+    <p:sldId id="259" r:id="rId4"/>
+    <p:sldId id="258" r:id="rId5"/>
+    <p:sldId id="257" r:id="rId6"/>
   </p:sldIdLst>
   <p:sldSz cx="12192000" cy="6858000"/>
   <p:notesSz cx="6858000" cy="9144000"/>
@@ -3265,15 +3267,7 @@
               <a:pPr algn="ctr"/>
               <a:r>
                 <a:rPr lang="zh-CN" altLang="en-US"/>
-                <a:t>电阻分压</a:t>
-              </a:r>
-              <a:r>
-                <a:rPr lang="zh-CN" altLang="en-US"/>
-                <a:t>电压</a:t>
-              </a:r>
-              <a:r>
-                <a:rPr lang="zh-CN" altLang="en-US"/>
-                <a:t>监控</a:t>
+                <a:t>电阻分压电压监控</a:t>
               </a:r>
               <a:endParaRPr lang="zh-CN" altLang="en-US"/>
             </a:p>
@@ -3631,6 +3625,1627 @@
         <p:nvPr/>
       </p:nvGrpSpPr>
       <p:grpSpPr/>
+      <p:grpSp>
+        <p:nvGrpSpPr>
+          <p:cNvPr id="41" name="组合 40"/>
+          <p:cNvGrpSpPr/>
+          <p:nvPr/>
+        </p:nvGrpSpPr>
+        <p:grpSpPr>
+          <a:xfrm>
+            <a:off x="8261350" y="1254760"/>
+            <a:ext cx="3333750" cy="3583940"/>
+            <a:chOff x="13010" y="1976"/>
+            <a:chExt cx="5250" cy="5644"/>
+          </a:xfrm>
+        </p:grpSpPr>
+        <p:sp>
+          <p:nvSpPr>
+            <p:cNvPr id="12" name="矩形 11"/>
+            <p:cNvSpPr/>
+            <p:nvPr/>
+          </p:nvSpPr>
+          <p:spPr>
+            <a:xfrm>
+              <a:off x="13010" y="3726"/>
+              <a:ext cx="5250" cy="3895"/>
+            </a:xfrm>
+            <a:prstGeom prst="rect">
+              <a:avLst/>
+            </a:prstGeom>
+            <a:ln w="38100">
+              <a:solidFill>
+                <a:schemeClr val="tx1">
+                  <a:lumMod val="95000"/>
+                  <a:lumOff val="5000"/>
+                </a:schemeClr>
+              </a:solidFill>
+              <a:prstDash val="lgDashDot"/>
+            </a:ln>
+          </p:spPr>
+          <p:style>
+            <a:lnRef idx="2">
+              <a:schemeClr val="accent6"/>
+            </a:lnRef>
+            <a:fillRef idx="1">
+              <a:schemeClr val="lt1"/>
+            </a:fillRef>
+            <a:effectRef idx="0">
+              <a:schemeClr val="accent6"/>
+            </a:effectRef>
+            <a:fontRef idx="minor">
+              <a:schemeClr val="dk1"/>
+            </a:fontRef>
+          </p:style>
+          <p:txBody>
+            <a:bodyPr rtlCol="0" anchor="ctr"/>
+            <a:p>
+              <a:pPr algn="ctr"/>
+              <a:endParaRPr lang="zh-CN" altLang="en-US"/>
+            </a:p>
+          </p:txBody>
+        </p:sp>
+        <p:sp>
+          <p:nvSpPr>
+            <p:cNvPr id="14" name="圆角矩形 13"/>
+            <p:cNvSpPr/>
+            <p:nvPr/>
+          </p:nvSpPr>
+          <p:spPr>
+            <a:xfrm>
+              <a:off x="16015" y="4145"/>
+              <a:ext cx="1619" cy="2800"/>
+            </a:xfrm>
+            <a:prstGeom prst="roundRect">
+              <a:avLst/>
+            </a:prstGeom>
+            <a:ln>
+              <a:solidFill>
+                <a:schemeClr val="tx1"/>
+              </a:solidFill>
+            </a:ln>
+          </p:spPr>
+          <p:style>
+            <a:lnRef idx="2">
+              <a:schemeClr val="accent6"/>
+            </a:lnRef>
+            <a:fillRef idx="1">
+              <a:schemeClr val="lt1"/>
+            </a:fillRef>
+            <a:effectRef idx="0">
+              <a:schemeClr val="accent6"/>
+            </a:effectRef>
+            <a:fontRef idx="minor">
+              <a:schemeClr val="dk1"/>
+            </a:fontRef>
+          </p:style>
+          <p:txBody>
+            <a:bodyPr rtlCol="0" anchor="ctr"/>
+            <a:p>
+              <a:pPr algn="ctr"/>
+              <a:r>
+                <a:rPr lang="en-US" altLang="zh-CN"/>
+                <a:t>stm32</a:t>
+              </a:r>
+              <a:endParaRPr lang="en-US" altLang="zh-CN"/>
+            </a:p>
+            <a:p>
+              <a:pPr algn="ctr"/>
+              <a:r>
+                <a:rPr lang="zh-CN" altLang="en-US"/>
+                <a:t>单片机</a:t>
+              </a:r>
+              <a:endParaRPr lang="zh-CN" altLang="en-US"/>
+            </a:p>
+            <a:p>
+              <a:pPr algn="ctr"/>
+              <a:r>
+                <a:rPr lang="zh-CN" altLang="en-US"/>
+                <a:t>最小系统</a:t>
+              </a:r>
+              <a:endParaRPr lang="zh-CN" altLang="en-US"/>
+            </a:p>
+          </p:txBody>
+        </p:sp>
+        <p:sp>
+          <p:nvSpPr>
+            <p:cNvPr id="19" name="圆角矩形 18"/>
+            <p:cNvSpPr/>
+            <p:nvPr/>
+          </p:nvSpPr>
+          <p:spPr>
+            <a:xfrm>
+              <a:off x="13180" y="5617"/>
+              <a:ext cx="1370" cy="772"/>
+            </a:xfrm>
+            <a:prstGeom prst="roundRect">
+              <a:avLst/>
+            </a:prstGeom>
+            <a:ln>
+              <a:solidFill>
+                <a:schemeClr val="tx1"/>
+              </a:solidFill>
+            </a:ln>
+          </p:spPr>
+          <p:style>
+            <a:lnRef idx="2">
+              <a:schemeClr val="accent6"/>
+            </a:lnRef>
+            <a:fillRef idx="1">
+              <a:schemeClr val="lt1"/>
+            </a:fillRef>
+            <a:effectRef idx="0">
+              <a:schemeClr val="accent6"/>
+            </a:effectRef>
+            <a:fontRef idx="minor">
+              <a:schemeClr val="dk1"/>
+            </a:fontRef>
+          </p:style>
+          <p:txBody>
+            <a:bodyPr rtlCol="0" anchor="ctr"/>
+            <a:p>
+              <a:pPr algn="ctr"/>
+              <a:r>
+                <a:rPr lang="en-US" altLang="zh-CN" sz="1600"/>
+                <a:t>RS485</a:t>
+              </a:r>
+              <a:r>
+                <a:rPr lang="zh-CN" altLang="en-US" sz="1600"/>
+                <a:t>电路</a:t>
+              </a:r>
+              <a:endParaRPr lang="zh-CN" altLang="en-US" sz="1600"/>
+            </a:p>
+          </p:txBody>
+        </p:sp>
+        <p:sp>
+          <p:nvSpPr>
+            <p:cNvPr id="25" name="圆角矩形 24"/>
+            <p:cNvSpPr/>
+            <p:nvPr/>
+          </p:nvSpPr>
+          <p:spPr>
+            <a:xfrm>
+              <a:off x="14708" y="1976"/>
+              <a:ext cx="1854" cy="1040"/>
+            </a:xfrm>
+            <a:prstGeom prst="roundRect">
+              <a:avLst/>
+            </a:prstGeom>
+            <a:ln>
+              <a:solidFill>
+                <a:schemeClr val="tx1"/>
+              </a:solidFill>
+            </a:ln>
+          </p:spPr>
+          <p:style>
+            <a:lnRef idx="2">
+              <a:schemeClr val="accent6"/>
+            </a:lnRef>
+            <a:fillRef idx="1">
+              <a:schemeClr val="lt1"/>
+            </a:fillRef>
+            <a:effectRef idx="0">
+              <a:schemeClr val="accent6"/>
+            </a:effectRef>
+            <a:fontRef idx="minor">
+              <a:schemeClr val="dk1"/>
+            </a:fontRef>
+          </p:style>
+          <p:txBody>
+            <a:bodyPr rtlCol="0" anchor="ctr"/>
+            <a:p>
+              <a:pPr algn="ctr"/>
+              <a:r>
+                <a:rPr lang="en-US" altLang="zh-CN"/>
+                <a:t>USB</a:t>
+              </a:r>
+              <a:r>
+                <a:rPr lang="zh-CN" altLang="en-US"/>
+                <a:t>接口</a:t>
+              </a:r>
+              <a:r>
+                <a:rPr lang="en-US" altLang="zh-CN"/>
+                <a:t>5V</a:t>
+              </a:r>
+              <a:r>
+                <a:rPr lang="zh-CN" altLang="en-US"/>
+                <a:t>供电</a:t>
+              </a:r>
+              <a:endParaRPr lang="zh-CN" altLang="en-US"/>
+            </a:p>
+          </p:txBody>
+        </p:sp>
+        <p:cxnSp>
+          <p:nvCxnSpPr>
+            <p:cNvPr id="26" name="直接箭头连接符 25"/>
+            <p:cNvCxnSpPr>
+              <a:stCxn id="25" idx="2"/>
+              <a:endCxn id="12" idx="0"/>
+            </p:cNvCxnSpPr>
+            <p:nvPr/>
+          </p:nvCxnSpPr>
+          <p:spPr>
+            <a:xfrm>
+              <a:off x="15635" y="3016"/>
+              <a:ext cx="0" cy="710"/>
+            </a:xfrm>
+            <a:prstGeom prst="straightConnector1">
+              <a:avLst/>
+            </a:prstGeom>
+            <a:ln>
+              <a:tailEnd type="arrow" w="med" len="med"/>
+            </a:ln>
+          </p:spPr>
+          <p:style>
+            <a:lnRef idx="1">
+              <a:schemeClr val="dk1"/>
+            </a:lnRef>
+            <a:fillRef idx="0">
+              <a:schemeClr val="dk1"/>
+            </a:fillRef>
+            <a:effectRef idx="0">
+              <a:schemeClr val="dk1"/>
+            </a:effectRef>
+            <a:fontRef idx="minor">
+              <a:schemeClr val="tx1"/>
+            </a:fontRef>
+          </p:style>
+        </p:cxnSp>
+        <p:sp>
+          <p:nvSpPr>
+            <p:cNvPr id="29" name="圆角矩形 28"/>
+            <p:cNvSpPr/>
+            <p:nvPr/>
+          </p:nvSpPr>
+          <p:spPr>
+            <a:xfrm>
+              <a:off x="13180" y="4622"/>
+              <a:ext cx="1633" cy="470"/>
+            </a:xfrm>
+            <a:prstGeom prst="roundRect">
+              <a:avLst/>
+            </a:prstGeom>
+            <a:ln>
+              <a:solidFill>
+                <a:schemeClr val="tx1"/>
+              </a:solidFill>
+            </a:ln>
+          </p:spPr>
+          <p:style>
+            <a:lnRef idx="2">
+              <a:schemeClr val="accent6"/>
+            </a:lnRef>
+            <a:fillRef idx="1">
+              <a:schemeClr val="lt1"/>
+            </a:fillRef>
+            <a:effectRef idx="0">
+              <a:schemeClr val="accent6"/>
+            </a:effectRef>
+            <a:fontRef idx="minor">
+              <a:schemeClr val="dk1"/>
+            </a:fontRef>
+          </p:style>
+          <p:txBody>
+            <a:bodyPr rtlCol="0" anchor="ctr"/>
+            <a:p>
+              <a:pPr algn="ctr"/>
+              <a:r>
+                <a:rPr lang="en-US" altLang="zh-CN" sz="1400"/>
+                <a:t>OLED</a:t>
+              </a:r>
+              <a:r>
+                <a:rPr lang="zh-CN" altLang="en-US" sz="1400"/>
+                <a:t>显示</a:t>
+              </a:r>
+              <a:endParaRPr lang="zh-CN" altLang="en-US" sz="1400"/>
+            </a:p>
+          </p:txBody>
+        </p:sp>
+        <p:cxnSp>
+          <p:nvCxnSpPr>
+            <p:cNvPr id="33" name="直接箭头连接符 32"/>
+            <p:cNvCxnSpPr/>
+            <p:nvPr/>
+          </p:nvCxnSpPr>
+          <p:spPr>
+            <a:xfrm flipH="1" flipV="1">
+              <a:off x="14542" y="6163"/>
+              <a:ext cx="1467" cy="4"/>
+            </a:xfrm>
+            <a:prstGeom prst="straightConnector1">
+              <a:avLst/>
+            </a:prstGeom>
+            <a:ln>
+              <a:tailEnd type="arrow" w="med" len="med"/>
+            </a:ln>
+          </p:spPr>
+          <p:style>
+            <a:lnRef idx="1">
+              <a:schemeClr val="dk1"/>
+            </a:lnRef>
+            <a:fillRef idx="0">
+              <a:schemeClr val="dk1"/>
+            </a:fillRef>
+            <a:effectRef idx="0">
+              <a:schemeClr val="dk1"/>
+            </a:effectRef>
+            <a:fontRef idx="minor">
+              <a:schemeClr val="tx1"/>
+            </a:fontRef>
+          </p:style>
+        </p:cxnSp>
+        <p:cxnSp>
+          <p:nvCxnSpPr>
+            <p:cNvPr id="34" name="直接箭头连接符 33"/>
+            <p:cNvCxnSpPr/>
+            <p:nvPr/>
+          </p:nvCxnSpPr>
+          <p:spPr>
+            <a:xfrm>
+              <a:off x="14550" y="5968"/>
+              <a:ext cx="1459" cy="0"/>
+            </a:xfrm>
+            <a:prstGeom prst="straightConnector1">
+              <a:avLst/>
+            </a:prstGeom>
+            <a:ln>
+              <a:tailEnd type="arrow" w="med" len="med"/>
+            </a:ln>
+          </p:spPr>
+          <p:style>
+            <a:lnRef idx="1">
+              <a:schemeClr val="dk1"/>
+            </a:lnRef>
+            <a:fillRef idx="0">
+              <a:schemeClr val="dk1"/>
+            </a:fillRef>
+            <a:effectRef idx="0">
+              <a:schemeClr val="dk1"/>
+            </a:effectRef>
+            <a:fontRef idx="minor">
+              <a:schemeClr val="tx1"/>
+            </a:fontRef>
+          </p:style>
+        </p:cxnSp>
+        <p:cxnSp>
+          <p:nvCxnSpPr>
+            <p:cNvPr id="36" name="直接箭头连接符 35"/>
+            <p:cNvCxnSpPr/>
+            <p:nvPr/>
+          </p:nvCxnSpPr>
+          <p:spPr>
+            <a:xfrm flipH="1">
+              <a:off x="14833" y="4836"/>
+              <a:ext cx="1187" cy="9"/>
+            </a:xfrm>
+            <a:prstGeom prst="straightConnector1">
+              <a:avLst/>
+            </a:prstGeom>
+            <a:ln>
+              <a:tailEnd type="arrow" w="med" len="med"/>
+            </a:ln>
+          </p:spPr>
+          <p:style>
+            <a:lnRef idx="1">
+              <a:schemeClr val="dk1"/>
+            </a:lnRef>
+            <a:fillRef idx="0">
+              <a:schemeClr val="dk1"/>
+            </a:fillRef>
+            <a:effectRef idx="0">
+              <a:schemeClr val="dk1"/>
+            </a:effectRef>
+            <a:fontRef idx="minor">
+              <a:schemeClr val="tx1"/>
+            </a:fontRef>
+          </p:style>
+        </p:cxnSp>
+        <p:sp>
+          <p:nvSpPr>
+            <p:cNvPr id="38" name="文本框 37"/>
+            <p:cNvSpPr txBox="1"/>
+            <p:nvPr/>
+          </p:nvSpPr>
+          <p:spPr>
+            <a:xfrm>
+              <a:off x="13010" y="3071"/>
+              <a:ext cx="2362" cy="576"/>
+            </a:xfrm>
+            <a:prstGeom prst="rect">
+              <a:avLst/>
+            </a:prstGeom>
+            <a:noFill/>
+          </p:spPr>
+          <p:txBody>
+            <a:bodyPr wrap="square" rtlCol="0">
+              <a:spAutoFit/>
+            </a:bodyPr>
+            <a:p>
+              <a:r>
+                <a:rPr lang="zh-CN" altLang="en-US"/>
+                <a:t>主机</a:t>
+              </a:r>
+              <a:endParaRPr lang="zh-CN" altLang="en-US"/>
+            </a:p>
+          </p:txBody>
+        </p:sp>
+      </p:grpSp>
+      <p:grpSp>
+        <p:nvGrpSpPr>
+          <p:cNvPr id="40" name="组合 39"/>
+          <p:cNvGrpSpPr/>
+          <p:nvPr/>
+        </p:nvGrpSpPr>
+        <p:grpSpPr>
+          <a:xfrm>
+            <a:off x="1279525" y="1426210"/>
+            <a:ext cx="4729480" cy="3413125"/>
+            <a:chOff x="2015" y="2246"/>
+            <a:chExt cx="7448" cy="5375"/>
+          </a:xfrm>
+        </p:grpSpPr>
+        <p:sp>
+          <p:nvSpPr>
+            <p:cNvPr id="7" name="矩形 6"/>
+            <p:cNvSpPr/>
+            <p:nvPr/>
+          </p:nvSpPr>
+          <p:spPr>
+            <a:xfrm>
+              <a:off x="2015" y="3647"/>
+              <a:ext cx="7449" cy="3974"/>
+            </a:xfrm>
+            <a:prstGeom prst="rect">
+              <a:avLst/>
+            </a:prstGeom>
+            <a:ln w="57150">
+              <a:solidFill>
+                <a:schemeClr val="tx1">
+                  <a:lumMod val="95000"/>
+                  <a:lumOff val="5000"/>
+                </a:schemeClr>
+              </a:solidFill>
+              <a:prstDash val="dashDot"/>
+            </a:ln>
+          </p:spPr>
+          <p:style>
+            <a:lnRef idx="2">
+              <a:schemeClr val="dk1"/>
+            </a:lnRef>
+            <a:fillRef idx="1">
+              <a:schemeClr val="lt1"/>
+            </a:fillRef>
+            <a:effectRef idx="0">
+              <a:schemeClr val="dk1"/>
+            </a:effectRef>
+            <a:fontRef idx="minor">
+              <a:schemeClr val="dk1"/>
+            </a:fontRef>
+          </p:style>
+          <p:txBody>
+            <a:bodyPr rtlCol="0" anchor="ctr"/>
+            <a:p>
+              <a:pPr algn="ctr"/>
+              <a:endParaRPr lang="zh-CN" altLang="en-US"/>
+            </a:p>
+          </p:txBody>
+        </p:sp>
+        <p:sp>
+          <p:nvSpPr>
+            <p:cNvPr id="4" name="圆角矩形 3"/>
+            <p:cNvSpPr/>
+            <p:nvPr/>
+          </p:nvSpPr>
+          <p:spPr>
+            <a:xfrm>
+              <a:off x="5150" y="3980"/>
+              <a:ext cx="1493" cy="3307"/>
+            </a:xfrm>
+            <a:prstGeom prst="roundRect">
+              <a:avLst/>
+            </a:prstGeom>
+            <a:ln>
+              <a:solidFill>
+                <a:schemeClr val="tx1">
+                  <a:lumMod val="95000"/>
+                  <a:lumOff val="5000"/>
+                </a:schemeClr>
+              </a:solidFill>
+            </a:ln>
+          </p:spPr>
+          <p:style>
+            <a:lnRef idx="2">
+              <a:schemeClr val="dk1"/>
+            </a:lnRef>
+            <a:fillRef idx="1">
+              <a:schemeClr val="lt1"/>
+            </a:fillRef>
+            <a:effectRef idx="0">
+              <a:schemeClr val="dk1"/>
+            </a:effectRef>
+            <a:fontRef idx="minor">
+              <a:schemeClr val="dk1"/>
+            </a:fontRef>
+          </p:style>
+          <p:txBody>
+            <a:bodyPr rtlCol="0" anchor="ctr"/>
+            <a:p>
+              <a:pPr algn="ctr">
+                <a:lnSpc>
+                  <a:spcPct val="100000"/>
+                </a:lnSpc>
+              </a:pPr>
+              <a:r>
+                <a:rPr lang="en-US" altLang="zh-CN" sz="1600"/>
+                <a:t>stm32</a:t>
+              </a:r>
+              <a:endParaRPr lang="en-US" altLang="zh-CN" sz="1600"/>
+            </a:p>
+            <a:p>
+              <a:pPr algn="ctr">
+                <a:lnSpc>
+                  <a:spcPct val="100000"/>
+                </a:lnSpc>
+              </a:pPr>
+              <a:r>
+                <a:rPr lang="zh-CN" altLang="en-US" sz="1600"/>
+                <a:t>单片机</a:t>
+              </a:r>
+              <a:endParaRPr lang="zh-CN" altLang="en-US" sz="1600"/>
+            </a:p>
+            <a:p>
+              <a:pPr algn="ctr">
+                <a:lnSpc>
+                  <a:spcPct val="100000"/>
+                </a:lnSpc>
+              </a:pPr>
+              <a:r>
+                <a:rPr lang="zh-CN" altLang="en-US" sz="1600"/>
+                <a:t>最小系统</a:t>
+              </a:r>
+              <a:endParaRPr lang="zh-CN" altLang="en-US" sz="1600"/>
+            </a:p>
+          </p:txBody>
+        </p:sp>
+        <p:sp>
+          <p:nvSpPr>
+            <p:cNvPr id="5" name="圆角矩形 4"/>
+            <p:cNvSpPr/>
+            <p:nvPr/>
+          </p:nvSpPr>
+          <p:spPr>
+            <a:xfrm>
+              <a:off x="7672" y="5760"/>
+              <a:ext cx="1588" cy="850"/>
+            </a:xfrm>
+            <a:prstGeom prst="roundRect">
+              <a:avLst/>
+            </a:prstGeom>
+            <a:ln>
+              <a:solidFill>
+                <a:schemeClr val="tx1">
+                  <a:lumMod val="95000"/>
+                  <a:lumOff val="5000"/>
+                </a:schemeClr>
+              </a:solidFill>
+            </a:ln>
+          </p:spPr>
+          <p:style>
+            <a:lnRef idx="2">
+              <a:schemeClr val="dk1"/>
+            </a:lnRef>
+            <a:fillRef idx="1">
+              <a:schemeClr val="lt1"/>
+            </a:fillRef>
+            <a:effectRef idx="0">
+              <a:schemeClr val="dk1"/>
+            </a:effectRef>
+            <a:fontRef idx="minor">
+              <a:schemeClr val="dk1"/>
+            </a:fontRef>
+          </p:style>
+          <p:txBody>
+            <a:bodyPr rtlCol="0" anchor="ctr"/>
+            <a:p>
+              <a:pPr algn="ctr"/>
+              <a:r>
+                <a:rPr lang="en-US" altLang="zh-CN"/>
+                <a:t>RS485</a:t>
+              </a:r>
+              <a:r>
+                <a:rPr lang="zh-CN" altLang="en-US"/>
+                <a:t>电路</a:t>
+              </a:r>
+              <a:endParaRPr lang="zh-CN" altLang="en-US"/>
+            </a:p>
+          </p:txBody>
+        </p:sp>
+        <p:sp>
+          <p:nvSpPr>
+            <p:cNvPr id="8" name="圆角矩形 7"/>
+            <p:cNvSpPr/>
+            <p:nvPr/>
+          </p:nvSpPr>
+          <p:spPr>
+            <a:xfrm>
+              <a:off x="4678" y="2246"/>
+              <a:ext cx="2123" cy="955"/>
+            </a:xfrm>
+            <a:prstGeom prst="roundRect">
+              <a:avLst/>
+            </a:prstGeom>
+            <a:ln>
+              <a:solidFill>
+                <a:schemeClr val="tx1">
+                  <a:lumMod val="95000"/>
+                  <a:lumOff val="5000"/>
+                </a:schemeClr>
+              </a:solidFill>
+            </a:ln>
+          </p:spPr>
+          <p:style>
+            <a:lnRef idx="2">
+              <a:schemeClr val="dk1"/>
+            </a:lnRef>
+            <a:fillRef idx="1">
+              <a:schemeClr val="lt1"/>
+            </a:fillRef>
+            <a:effectRef idx="0">
+              <a:schemeClr val="dk1"/>
+            </a:effectRef>
+            <a:fontRef idx="minor">
+              <a:schemeClr val="dk1"/>
+            </a:fontRef>
+          </p:style>
+          <p:txBody>
+            <a:bodyPr rtlCol="0" anchor="ctr"/>
+            <a:p>
+              <a:pPr algn="ctr"/>
+              <a:r>
+                <a:rPr lang="en-US" altLang="zh-CN"/>
+                <a:t>USB</a:t>
+              </a:r>
+              <a:r>
+                <a:rPr lang="zh-CN" altLang="en-US"/>
+                <a:t>接口</a:t>
+              </a:r>
+              <a:r>
+                <a:rPr lang="en-US" altLang="zh-CN"/>
+                <a:t>5V</a:t>
+              </a:r>
+              <a:r>
+                <a:rPr lang="zh-CN" altLang="en-US"/>
+                <a:t>供电</a:t>
+              </a:r>
+              <a:endParaRPr lang="zh-CN" altLang="en-US"/>
+            </a:p>
+          </p:txBody>
+        </p:sp>
+        <p:cxnSp>
+          <p:nvCxnSpPr>
+            <p:cNvPr id="9" name="直接箭头连接符 8"/>
+            <p:cNvCxnSpPr>
+              <a:stCxn id="8" idx="2"/>
+              <a:endCxn id="7" idx="0"/>
+            </p:cNvCxnSpPr>
+            <p:nvPr/>
+          </p:nvCxnSpPr>
+          <p:spPr>
+            <a:xfrm>
+              <a:off x="5740" y="3201"/>
+              <a:ext cx="0" cy="446"/>
+            </a:xfrm>
+            <a:prstGeom prst="straightConnector1">
+              <a:avLst/>
+            </a:prstGeom>
+            <a:ln>
+              <a:solidFill>
+                <a:schemeClr val="tx1">
+                  <a:lumMod val="95000"/>
+                  <a:lumOff val="5000"/>
+                </a:schemeClr>
+              </a:solidFill>
+              <a:tailEnd type="arrow" w="med" len="med"/>
+            </a:ln>
+          </p:spPr>
+          <p:style>
+            <a:lnRef idx="2">
+              <a:schemeClr val="dk1"/>
+            </a:lnRef>
+            <a:fillRef idx="1">
+              <a:schemeClr val="lt1"/>
+            </a:fillRef>
+            <a:effectRef idx="0">
+              <a:schemeClr val="dk1"/>
+            </a:effectRef>
+            <a:fontRef idx="minor">
+              <a:schemeClr val="dk1"/>
+            </a:fontRef>
+          </p:style>
+        </p:cxnSp>
+        <p:sp>
+          <p:nvSpPr>
+            <p:cNvPr id="10" name="圆角矩形 9"/>
+            <p:cNvSpPr/>
+            <p:nvPr/>
+          </p:nvSpPr>
+          <p:spPr>
+            <a:xfrm>
+              <a:off x="2214" y="4662"/>
+              <a:ext cx="2273" cy="685"/>
+            </a:xfrm>
+            <a:prstGeom prst="roundRect">
+              <a:avLst/>
+            </a:prstGeom>
+            <a:ln>
+              <a:solidFill>
+                <a:schemeClr val="tx1">
+                  <a:lumMod val="95000"/>
+                  <a:lumOff val="5000"/>
+                </a:schemeClr>
+              </a:solidFill>
+            </a:ln>
+          </p:spPr>
+          <p:style>
+            <a:lnRef idx="2">
+              <a:schemeClr val="dk1"/>
+            </a:lnRef>
+            <a:fillRef idx="1">
+              <a:schemeClr val="lt1"/>
+            </a:fillRef>
+            <a:effectRef idx="0">
+              <a:schemeClr val="dk1"/>
+            </a:effectRef>
+            <a:fontRef idx="minor">
+              <a:schemeClr val="dk1"/>
+            </a:fontRef>
+          </p:style>
+          <p:txBody>
+            <a:bodyPr rtlCol="0" anchor="ctr"/>
+            <a:p>
+              <a:pPr algn="ctr"/>
+              <a:r>
+                <a:rPr lang="en-US" altLang="zh-CN" sz="1600"/>
+                <a:t>INA199</a:t>
+              </a:r>
+              <a:r>
+                <a:rPr lang="zh-CN" altLang="en-US" sz="1600"/>
+                <a:t>电源监控</a:t>
+              </a:r>
+              <a:endParaRPr lang="zh-CN" altLang="en-US" sz="1600"/>
+            </a:p>
+          </p:txBody>
+        </p:sp>
+        <p:sp>
+          <p:nvSpPr>
+            <p:cNvPr id="11" name="圆角矩形 10"/>
+            <p:cNvSpPr/>
+            <p:nvPr/>
+          </p:nvSpPr>
+          <p:spPr>
+            <a:xfrm>
+              <a:off x="2214" y="5811"/>
+              <a:ext cx="2273" cy="685"/>
+            </a:xfrm>
+            <a:prstGeom prst="roundRect">
+              <a:avLst/>
+            </a:prstGeom>
+            <a:ln>
+              <a:solidFill>
+                <a:schemeClr val="tx1">
+                  <a:lumMod val="95000"/>
+                  <a:lumOff val="5000"/>
+                </a:schemeClr>
+              </a:solidFill>
+            </a:ln>
+          </p:spPr>
+          <p:style>
+            <a:lnRef idx="2">
+              <a:schemeClr val="dk1"/>
+            </a:lnRef>
+            <a:fillRef idx="1">
+              <a:schemeClr val="lt1"/>
+            </a:fillRef>
+            <a:effectRef idx="0">
+              <a:schemeClr val="dk1"/>
+            </a:effectRef>
+            <a:fontRef idx="minor">
+              <a:schemeClr val="dk1"/>
+            </a:fontRef>
+          </p:style>
+          <p:txBody>
+            <a:bodyPr rtlCol="0" anchor="ctr"/>
+            <a:p>
+              <a:pPr algn="ctr"/>
+              <a:r>
+                <a:rPr lang="zh-CN" altLang="en-US" sz="1400"/>
+                <a:t>电阻分压电压监控</a:t>
+              </a:r>
+              <a:endParaRPr lang="zh-CN" altLang="en-US" sz="1400"/>
+            </a:p>
+          </p:txBody>
+        </p:sp>
+        <p:sp>
+          <p:nvSpPr>
+            <p:cNvPr id="13" name="圆角矩形 12"/>
+            <p:cNvSpPr/>
+            <p:nvPr/>
+          </p:nvSpPr>
+          <p:spPr>
+            <a:xfrm>
+              <a:off x="7672" y="4727"/>
+              <a:ext cx="1588" cy="555"/>
+            </a:xfrm>
+            <a:prstGeom prst="roundRect">
+              <a:avLst/>
+            </a:prstGeom>
+            <a:ln>
+              <a:solidFill>
+                <a:schemeClr val="tx1">
+                  <a:lumMod val="95000"/>
+                  <a:lumOff val="5000"/>
+                </a:schemeClr>
+              </a:solidFill>
+            </a:ln>
+          </p:spPr>
+          <p:style>
+            <a:lnRef idx="2">
+              <a:schemeClr val="dk1"/>
+            </a:lnRef>
+            <a:fillRef idx="1">
+              <a:schemeClr val="lt1"/>
+            </a:fillRef>
+            <a:effectRef idx="0">
+              <a:schemeClr val="dk1"/>
+            </a:effectRef>
+            <a:fontRef idx="minor">
+              <a:schemeClr val="dk1"/>
+            </a:fontRef>
+          </p:style>
+          <p:txBody>
+            <a:bodyPr rtlCol="0" anchor="ctr"/>
+            <a:p>
+              <a:pPr algn="ctr"/>
+              <a:r>
+                <a:rPr lang="en-US" altLang="zh-CN" sz="1400"/>
+                <a:t>OLED</a:t>
+              </a:r>
+              <a:r>
+                <a:rPr lang="zh-CN" altLang="en-US" sz="1400"/>
+                <a:t>显示</a:t>
+              </a:r>
+              <a:endParaRPr lang="zh-CN" altLang="en-US" sz="1400"/>
+            </a:p>
+          </p:txBody>
+        </p:sp>
+        <p:cxnSp>
+          <p:nvCxnSpPr>
+            <p:cNvPr id="15" name="直接箭头连接符 14"/>
+            <p:cNvCxnSpPr>
+              <a:stCxn id="10" idx="3"/>
+            </p:cNvCxnSpPr>
+            <p:nvPr/>
+          </p:nvCxnSpPr>
+          <p:spPr>
+            <a:xfrm>
+              <a:off x="4487" y="5005"/>
+              <a:ext cx="652" cy="0"/>
+            </a:xfrm>
+            <a:prstGeom prst="straightConnector1">
+              <a:avLst/>
+            </a:prstGeom>
+            <a:ln>
+              <a:solidFill>
+                <a:schemeClr val="tx1">
+                  <a:lumMod val="95000"/>
+                  <a:lumOff val="5000"/>
+                </a:schemeClr>
+              </a:solidFill>
+              <a:tailEnd type="arrow" w="med" len="med"/>
+            </a:ln>
+          </p:spPr>
+          <p:style>
+            <a:lnRef idx="2">
+              <a:schemeClr val="dk1"/>
+            </a:lnRef>
+            <a:fillRef idx="1">
+              <a:schemeClr val="lt1"/>
+            </a:fillRef>
+            <a:effectRef idx="0">
+              <a:schemeClr val="dk1"/>
+            </a:effectRef>
+            <a:fontRef idx="minor">
+              <a:schemeClr val="dk1"/>
+            </a:fontRef>
+          </p:style>
+        </p:cxnSp>
+        <p:cxnSp>
+          <p:nvCxnSpPr>
+            <p:cNvPr id="16" name="直接箭头连接符 15"/>
+            <p:cNvCxnSpPr>
+              <a:stCxn id="11" idx="3"/>
+            </p:cNvCxnSpPr>
+            <p:nvPr/>
+          </p:nvCxnSpPr>
+          <p:spPr>
+            <a:xfrm>
+              <a:off x="4487" y="6154"/>
+              <a:ext cx="655" cy="0"/>
+            </a:xfrm>
+            <a:prstGeom prst="straightConnector1">
+              <a:avLst/>
+            </a:prstGeom>
+            <a:ln>
+              <a:solidFill>
+                <a:schemeClr val="tx1">
+                  <a:lumMod val="95000"/>
+                  <a:lumOff val="5000"/>
+                </a:schemeClr>
+              </a:solidFill>
+              <a:tailEnd type="arrow" w="med" len="med"/>
+            </a:ln>
+          </p:spPr>
+          <p:style>
+            <a:lnRef idx="2">
+              <a:schemeClr val="dk1"/>
+            </a:lnRef>
+            <a:fillRef idx="1">
+              <a:schemeClr val="lt1"/>
+            </a:fillRef>
+            <a:effectRef idx="0">
+              <a:schemeClr val="dk1"/>
+            </a:effectRef>
+            <a:fontRef idx="minor">
+              <a:schemeClr val="dk1"/>
+            </a:fontRef>
+          </p:style>
+        </p:cxnSp>
+        <p:cxnSp>
+          <p:nvCxnSpPr>
+            <p:cNvPr id="17" name="直接箭头连接符 16"/>
+            <p:cNvCxnSpPr>
+              <a:endCxn id="13" idx="1"/>
+            </p:cNvCxnSpPr>
+            <p:nvPr/>
+          </p:nvCxnSpPr>
+          <p:spPr>
+            <a:xfrm flipV="1">
+              <a:off x="6663" y="5005"/>
+              <a:ext cx="1009" cy="6"/>
+            </a:xfrm>
+            <a:prstGeom prst="straightConnector1">
+              <a:avLst/>
+            </a:prstGeom>
+            <a:ln>
+              <a:solidFill>
+                <a:schemeClr val="tx1">
+                  <a:lumMod val="95000"/>
+                  <a:lumOff val="5000"/>
+                </a:schemeClr>
+              </a:solidFill>
+              <a:tailEnd type="arrow" w="med" len="med"/>
+            </a:ln>
+          </p:spPr>
+          <p:style>
+            <a:lnRef idx="2">
+              <a:schemeClr val="dk1"/>
+            </a:lnRef>
+            <a:fillRef idx="1">
+              <a:schemeClr val="lt1"/>
+            </a:fillRef>
+            <a:effectRef idx="0">
+              <a:schemeClr val="dk1"/>
+            </a:effectRef>
+            <a:fontRef idx="minor">
+              <a:schemeClr val="dk1"/>
+            </a:fontRef>
+          </p:style>
+        </p:cxnSp>
+        <p:cxnSp>
+          <p:nvCxnSpPr>
+            <p:cNvPr id="18" name="直接箭头连接符 17"/>
+            <p:cNvCxnSpPr/>
+            <p:nvPr/>
+          </p:nvCxnSpPr>
+          <p:spPr>
+            <a:xfrm flipV="1">
+              <a:off x="6663" y="6053"/>
+              <a:ext cx="1006" cy="6"/>
+            </a:xfrm>
+            <a:prstGeom prst="straightConnector1">
+              <a:avLst/>
+            </a:prstGeom>
+            <a:ln>
+              <a:solidFill>
+                <a:schemeClr val="tx1">
+                  <a:lumMod val="95000"/>
+                  <a:lumOff val="5000"/>
+                </a:schemeClr>
+              </a:solidFill>
+              <a:tailEnd type="arrow" w="med" len="med"/>
+            </a:ln>
+          </p:spPr>
+          <p:style>
+            <a:lnRef idx="2">
+              <a:schemeClr val="dk1"/>
+            </a:lnRef>
+            <a:fillRef idx="1">
+              <a:schemeClr val="lt1"/>
+            </a:fillRef>
+            <a:effectRef idx="0">
+              <a:schemeClr val="dk1"/>
+            </a:effectRef>
+            <a:fontRef idx="minor">
+              <a:schemeClr val="dk1"/>
+            </a:fontRef>
+          </p:style>
+        </p:cxnSp>
+        <p:cxnSp>
+          <p:nvCxnSpPr>
+            <p:cNvPr id="20" name="直接箭头连接符 19"/>
+            <p:cNvCxnSpPr/>
+            <p:nvPr/>
+          </p:nvCxnSpPr>
+          <p:spPr>
+            <a:xfrm flipH="1">
+              <a:off x="6656" y="6282"/>
+              <a:ext cx="1003" cy="0"/>
+            </a:xfrm>
+            <a:prstGeom prst="straightConnector1">
+              <a:avLst/>
+            </a:prstGeom>
+            <a:ln>
+              <a:solidFill>
+                <a:schemeClr val="tx1">
+                  <a:lumMod val="95000"/>
+                  <a:lumOff val="5000"/>
+                </a:schemeClr>
+              </a:solidFill>
+              <a:tailEnd type="arrow" w="med" len="med"/>
+            </a:ln>
+          </p:spPr>
+          <p:style>
+            <a:lnRef idx="2">
+              <a:schemeClr val="dk1"/>
+            </a:lnRef>
+            <a:fillRef idx="1">
+              <a:schemeClr val="lt1"/>
+            </a:fillRef>
+            <a:effectRef idx="0">
+              <a:schemeClr val="dk1"/>
+            </a:effectRef>
+            <a:fontRef idx="minor">
+              <a:schemeClr val="dk1"/>
+            </a:fontRef>
+          </p:style>
+        </p:cxnSp>
+        <p:sp>
+          <p:nvSpPr>
+            <p:cNvPr id="39" name="文本框 38"/>
+            <p:cNvSpPr txBox="1"/>
+            <p:nvPr/>
+          </p:nvSpPr>
+          <p:spPr>
+            <a:xfrm>
+              <a:off x="2015" y="3016"/>
+              <a:ext cx="2362" cy="576"/>
+            </a:xfrm>
+            <a:prstGeom prst="rect">
+              <a:avLst/>
+            </a:prstGeom>
+            <a:noFill/>
+          </p:spPr>
+          <p:txBody>
+            <a:bodyPr wrap="square" rtlCol="0">
+              <a:spAutoFit/>
+            </a:bodyPr>
+            <a:p>
+              <a:r>
+                <a:rPr lang="zh-CN" altLang="en-US"/>
+                <a:t>从机</a:t>
+              </a:r>
+              <a:endParaRPr lang="zh-CN" altLang="en-US"/>
+            </a:p>
+          </p:txBody>
+        </p:sp>
+      </p:grpSp>
+    </p:spTree>
+  </p:cSld>
+  <p:clrMapOvr>
+    <a:masterClrMapping/>
+  </p:clrMapOvr>
+</p:sld>
+</file>
+
+<file path=ppt/slides/slide3.xml><?xml version="1.0" encoding="utf-8"?>
+<p:sld xmlns:a="http://schemas.openxmlformats.org/drawingml/2006/main" xmlns:r="http://schemas.openxmlformats.org/officeDocument/2006/relationships" xmlns:p="http://schemas.openxmlformats.org/presentationml/2006/main">
+  <p:cSld>
+    <p:spTree>
+      <p:nvGrpSpPr>
+        <p:cNvPr id="1" name=""/>
+        <p:cNvGrpSpPr/>
+        <p:nvPr/>
+      </p:nvGrpSpPr>
+      <p:grpSpPr/>
+      <p:sp>
+        <p:nvSpPr>
+          <p:cNvPr id="2" name="标题 1"/>
+          <p:cNvSpPr>
+            <a:spLocks noGrp="1"/>
+          </p:cNvSpPr>
+          <p:nvPr>
+            <p:ph type="title"/>
+          </p:nvPr>
+        </p:nvSpPr>
+        <p:spPr/>
+        <p:txBody>
+          <a:bodyPr/>
+          <a:p>
+            <a:endParaRPr lang="zh-CN" altLang="en-US"/>
+          </a:p>
+        </p:txBody>
+      </p:sp>
+      <p:sp>
+        <p:nvSpPr>
+          <p:cNvPr id="3" name="内容占位符 2"/>
+          <p:cNvSpPr>
+            <a:spLocks noGrp="1"/>
+          </p:cNvSpPr>
+          <p:nvPr>
+            <p:ph idx="1"/>
+          </p:nvPr>
+        </p:nvSpPr>
+        <p:spPr/>
+        <p:txBody>
+          <a:bodyPr/>
+          <a:p>
+            <a:endParaRPr lang="zh-CN" altLang="en-US"/>
+          </a:p>
+        </p:txBody>
+      </p:sp>
+    </p:spTree>
+  </p:cSld>
+  <p:clrMapOvr>
+    <a:masterClrMapping/>
+  </p:clrMapOvr>
+</p:sld>
+</file>
+
+<file path=ppt/slides/slide4.xml><?xml version="1.0" encoding="utf-8"?>
+<p:sld xmlns:a="http://schemas.openxmlformats.org/drawingml/2006/main" xmlns:r="http://schemas.openxmlformats.org/officeDocument/2006/relationships" xmlns:p="http://schemas.openxmlformats.org/presentationml/2006/main">
+  <p:cSld>
+    <p:spTree>
+      <p:nvGrpSpPr>
+        <p:cNvPr id="1" name=""/>
+        <p:cNvGrpSpPr/>
+        <p:nvPr/>
+      </p:nvGrpSpPr>
+      <p:grpSpPr/>
+      <p:grpSp>
+        <p:nvGrpSpPr>
+          <p:cNvPr id="14" name="组合 13"/>
+          <p:cNvGrpSpPr/>
+          <p:nvPr/>
+        </p:nvGrpSpPr>
+        <p:grpSpPr>
+          <a:xfrm>
+            <a:off x="1420495" y="415290"/>
+            <a:ext cx="5447665" cy="2263140"/>
+            <a:chOff x="2237" y="654"/>
+            <a:chExt cx="8579" cy="3564"/>
+          </a:xfrm>
+        </p:grpSpPr>
+        <p:sp>
+          <p:nvSpPr>
+            <p:cNvPr id="10" name="圆角矩形 9"/>
+            <p:cNvSpPr/>
+            <p:nvPr/>
+          </p:nvSpPr>
+          <p:spPr>
+            <a:xfrm>
+              <a:off x="2237" y="1842"/>
+              <a:ext cx="3317" cy="1188"/>
+            </a:xfrm>
+            <a:prstGeom prst="roundRect">
+              <a:avLst/>
+            </a:prstGeom>
+            <a:ln>
+              <a:solidFill>
+                <a:schemeClr val="tx1"/>
+              </a:solidFill>
+            </a:ln>
+          </p:spPr>
+          <p:style>
+            <a:lnRef idx="2">
+              <a:schemeClr val="accent6"/>
+            </a:lnRef>
+            <a:fillRef idx="1">
+              <a:schemeClr val="lt1"/>
+            </a:fillRef>
+            <a:effectRef idx="0">
+              <a:schemeClr val="accent6"/>
+            </a:effectRef>
+            <a:fontRef idx="minor">
+              <a:schemeClr val="dk1"/>
+            </a:fontRef>
+          </p:style>
+          <p:txBody>
+            <a:bodyPr rtlCol="0" anchor="ctr"/>
+            <a:p>
+              <a:pPr algn="ctr"/>
+              <a:r>
+                <a:rPr lang="zh-CN" altLang="en-US"/>
+                <a:t>主机</a:t>
+              </a:r>
+              <a:endParaRPr lang="zh-CN" altLang="en-US"/>
+            </a:p>
+          </p:txBody>
+        </p:sp>
+        <p:sp>
+          <p:nvSpPr>
+            <p:cNvPr id="2" name="圆角矩形 1"/>
+            <p:cNvSpPr/>
+            <p:nvPr/>
+          </p:nvSpPr>
+          <p:spPr>
+            <a:xfrm>
+              <a:off x="7500" y="654"/>
+              <a:ext cx="3317" cy="1188"/>
+            </a:xfrm>
+            <a:prstGeom prst="roundRect">
+              <a:avLst/>
+            </a:prstGeom>
+            <a:ln>
+              <a:solidFill>
+                <a:schemeClr val="tx1"/>
+              </a:solidFill>
+            </a:ln>
+          </p:spPr>
+          <p:style>
+            <a:lnRef idx="2">
+              <a:schemeClr val="accent6"/>
+            </a:lnRef>
+            <a:fillRef idx="1">
+              <a:schemeClr val="lt1"/>
+            </a:fillRef>
+            <a:effectRef idx="0">
+              <a:schemeClr val="accent6"/>
+            </a:effectRef>
+            <a:fontRef idx="minor">
+              <a:schemeClr val="dk1"/>
+            </a:fontRef>
+          </p:style>
+          <p:txBody>
+            <a:bodyPr rtlCol="0" anchor="ctr"/>
+            <a:p>
+              <a:pPr algn="ctr"/>
+              <a:r>
+                <a:rPr lang="zh-CN" altLang="en-US"/>
+                <a:t>从机</a:t>
+              </a:r>
+              <a:r>
+                <a:rPr lang="en-US" altLang="zh-CN"/>
+                <a:t>_0</a:t>
+              </a:r>
+              <a:endParaRPr lang="en-US" altLang="zh-CN"/>
+            </a:p>
+          </p:txBody>
+        </p:sp>
+        <p:sp>
+          <p:nvSpPr>
+            <p:cNvPr id="3" name="圆角矩形 2"/>
+            <p:cNvSpPr/>
+            <p:nvPr/>
+          </p:nvSpPr>
+          <p:spPr>
+            <a:xfrm>
+              <a:off x="7500" y="3030"/>
+              <a:ext cx="3317" cy="1188"/>
+            </a:xfrm>
+            <a:prstGeom prst="roundRect">
+              <a:avLst/>
+            </a:prstGeom>
+            <a:ln>
+              <a:solidFill>
+                <a:schemeClr val="tx1"/>
+              </a:solidFill>
+            </a:ln>
+          </p:spPr>
+          <p:style>
+            <a:lnRef idx="2">
+              <a:schemeClr val="accent6"/>
+            </a:lnRef>
+            <a:fillRef idx="1">
+              <a:schemeClr val="lt1"/>
+            </a:fillRef>
+            <a:effectRef idx="0">
+              <a:schemeClr val="accent6"/>
+            </a:effectRef>
+            <a:fontRef idx="minor">
+              <a:schemeClr val="dk1"/>
+            </a:fontRef>
+          </p:style>
+          <p:txBody>
+            <a:bodyPr rtlCol="0" anchor="ctr"/>
+            <a:p>
+              <a:pPr algn="ctr"/>
+              <a:r>
+                <a:rPr lang="zh-CN" altLang="en-US"/>
+                <a:t>从机</a:t>
+              </a:r>
+              <a:r>
+                <a:rPr lang="en-US" altLang="zh-CN"/>
+                <a:t>_1</a:t>
+              </a:r>
+              <a:endParaRPr lang="en-US" altLang="zh-CN"/>
+            </a:p>
+          </p:txBody>
+        </p:sp>
+        <p:cxnSp>
+          <p:nvCxnSpPr>
+            <p:cNvPr id="4" name="直接箭头连接符 3"/>
+            <p:cNvCxnSpPr/>
+            <p:nvPr/>
+          </p:nvCxnSpPr>
+          <p:spPr>
+            <a:xfrm flipV="1">
+              <a:off x="5572" y="1155"/>
+              <a:ext cx="1665" cy="810"/>
+            </a:xfrm>
+            <a:prstGeom prst="straightConnector1">
+              <a:avLst/>
+            </a:prstGeom>
+            <a:ln w="25400" cmpd="sng">
+              <a:solidFill>
+                <a:schemeClr val="tx1"/>
+              </a:solidFill>
+              <a:prstDash val="solid"/>
+              <a:tailEnd type="arrow" w="med" len="med"/>
+            </a:ln>
+          </p:spPr>
+          <p:style>
+            <a:lnRef idx="1">
+              <a:schemeClr val="dk1"/>
+            </a:lnRef>
+            <a:fillRef idx="0">
+              <a:schemeClr val="dk1"/>
+            </a:fillRef>
+            <a:effectRef idx="0">
+              <a:schemeClr val="dk1"/>
+            </a:effectRef>
+            <a:fontRef idx="minor">
+              <a:schemeClr val="tx1"/>
+            </a:fontRef>
+          </p:style>
+        </p:cxnSp>
+        <p:cxnSp>
+          <p:nvCxnSpPr>
+            <p:cNvPr id="5" name="直接箭头连接符 4"/>
+            <p:cNvCxnSpPr/>
+            <p:nvPr/>
+          </p:nvCxnSpPr>
+          <p:spPr>
+            <a:xfrm flipH="1">
+              <a:off x="5640" y="1485"/>
+              <a:ext cx="1635" cy="765"/>
+            </a:xfrm>
+            <a:prstGeom prst="straightConnector1">
+              <a:avLst/>
+            </a:prstGeom>
+            <a:ln w="25400" cmpd="sng">
+              <a:solidFill>
+                <a:schemeClr val="tx1"/>
+              </a:solidFill>
+              <a:prstDash val="solid"/>
+              <a:tailEnd type="arrow" w="med" len="med"/>
+            </a:ln>
+          </p:spPr>
+          <p:style>
+            <a:lnRef idx="1">
+              <a:schemeClr val="dk1"/>
+            </a:lnRef>
+            <a:fillRef idx="0">
+              <a:schemeClr val="dk1"/>
+            </a:fillRef>
+            <a:effectRef idx="0">
+              <a:schemeClr val="dk1"/>
+            </a:effectRef>
+            <a:fontRef idx="minor">
+              <a:schemeClr val="tx1"/>
+            </a:fontRef>
+          </p:style>
+        </p:cxnSp>
+        <p:cxnSp>
+          <p:nvCxnSpPr>
+            <p:cNvPr id="6" name="直接箭头连接符 5"/>
+            <p:cNvCxnSpPr/>
+            <p:nvPr/>
+          </p:nvCxnSpPr>
+          <p:spPr>
+            <a:xfrm>
+              <a:off x="5640" y="2850"/>
+              <a:ext cx="1710" cy="709"/>
+            </a:xfrm>
+            <a:prstGeom prst="straightConnector1">
+              <a:avLst/>
+            </a:prstGeom>
+            <a:ln w="25400" cmpd="sng">
+              <a:solidFill>
+                <a:schemeClr val="tx1"/>
+              </a:solidFill>
+              <a:prstDash val="solid"/>
+              <a:tailEnd type="arrow" w="med" len="med"/>
+            </a:ln>
+          </p:spPr>
+          <p:style>
+            <a:lnRef idx="1">
+              <a:schemeClr val="dk1"/>
+            </a:lnRef>
+            <a:fillRef idx="0">
+              <a:schemeClr val="dk1"/>
+            </a:fillRef>
+            <a:effectRef idx="0">
+              <a:schemeClr val="dk1"/>
+            </a:effectRef>
+            <a:fontRef idx="minor">
+              <a:schemeClr val="tx1"/>
+            </a:fontRef>
+          </p:style>
+        </p:cxnSp>
+        <p:cxnSp>
+          <p:nvCxnSpPr>
+            <p:cNvPr id="7" name="直接箭头连接符 6"/>
+            <p:cNvCxnSpPr/>
+            <p:nvPr/>
+          </p:nvCxnSpPr>
+          <p:spPr>
+            <a:xfrm flipH="1" flipV="1">
+              <a:off x="5554" y="3090"/>
+              <a:ext cx="1606" cy="739"/>
+            </a:xfrm>
+            <a:prstGeom prst="straightConnector1">
+              <a:avLst/>
+            </a:prstGeom>
+            <a:ln w="25400" cmpd="sng">
+              <a:solidFill>
+                <a:schemeClr val="tx1"/>
+              </a:solidFill>
+              <a:prstDash val="solid"/>
+              <a:tailEnd type="arrow" w="med" len="med"/>
+            </a:ln>
+          </p:spPr>
+          <p:style>
+            <a:lnRef idx="1">
+              <a:schemeClr val="dk1"/>
+            </a:lnRef>
+            <a:fillRef idx="0">
+              <a:schemeClr val="dk1"/>
+            </a:fillRef>
+            <a:effectRef idx="0">
+              <a:schemeClr val="dk1"/>
+            </a:effectRef>
+            <a:fontRef idx="minor">
+              <a:schemeClr val="tx1"/>
+            </a:fontRef>
+          </p:style>
+        </p:cxnSp>
+        <p:sp>
+          <p:nvSpPr>
+            <p:cNvPr id="8" name="文本框 7"/>
+            <p:cNvSpPr txBox="1"/>
+            <p:nvPr/>
+          </p:nvSpPr>
+          <p:spPr>
+            <a:xfrm rot="19980000">
+              <a:off x="5780" y="1032"/>
+              <a:ext cx="1179" cy="432"/>
+            </a:xfrm>
+            <a:prstGeom prst="rect">
+              <a:avLst/>
+            </a:prstGeom>
+            <a:noFill/>
+          </p:spPr>
+          <p:txBody>
+            <a:bodyPr wrap="square" rtlCol="0">
+              <a:spAutoFit/>
+            </a:bodyPr>
+            <a:p>
+              <a:r>
+                <a:rPr lang="zh-CN" altLang="en-US" sz="1200"/>
+                <a:t>发送</a:t>
+              </a:r>
+              <a:endParaRPr lang="zh-CN" altLang="en-US" sz="1200"/>
+            </a:p>
+          </p:txBody>
+        </p:sp>
+        <p:sp>
+          <p:nvSpPr>
+            <p:cNvPr id="9" name="文本框 8"/>
+            <p:cNvSpPr txBox="1"/>
+            <p:nvPr/>
+          </p:nvSpPr>
+          <p:spPr>
+            <a:xfrm rot="19980000">
+              <a:off x="6180" y="1790"/>
+              <a:ext cx="1179" cy="432"/>
+            </a:xfrm>
+            <a:prstGeom prst="rect">
+              <a:avLst/>
+            </a:prstGeom>
+            <a:noFill/>
+          </p:spPr>
+          <p:txBody>
+            <a:bodyPr wrap="square" rtlCol="0">
+              <a:spAutoFit/>
+            </a:bodyPr>
+            <a:p>
+              <a:r>
+                <a:rPr lang="zh-CN" altLang="en-US" sz="1200"/>
+                <a:t>接收</a:t>
+              </a:r>
+              <a:endParaRPr lang="zh-CN" altLang="en-US" sz="1200"/>
+            </a:p>
+          </p:txBody>
+        </p:sp>
+        <p:sp>
+          <p:nvSpPr>
+            <p:cNvPr id="12" name="文本框 11"/>
+            <p:cNvSpPr txBox="1"/>
+            <p:nvPr/>
+          </p:nvSpPr>
+          <p:spPr>
+            <a:xfrm rot="1440000">
+              <a:off x="6021" y="2747"/>
+              <a:ext cx="1179" cy="432"/>
+            </a:xfrm>
+            <a:prstGeom prst="rect">
+              <a:avLst/>
+            </a:prstGeom>
+            <a:noFill/>
+          </p:spPr>
+          <p:txBody>
+            <a:bodyPr wrap="square" rtlCol="0">
+              <a:spAutoFit/>
+            </a:bodyPr>
+            <a:p>
+              <a:r>
+                <a:rPr lang="zh-CN" altLang="en-US" sz="1200"/>
+                <a:t>发送</a:t>
+              </a:r>
+              <a:endParaRPr lang="zh-CN" altLang="en-US" sz="1200"/>
+            </a:p>
+          </p:txBody>
+        </p:sp>
+        <p:sp>
+          <p:nvSpPr>
+            <p:cNvPr id="13" name="文本框 12"/>
+            <p:cNvSpPr txBox="1"/>
+            <p:nvPr/>
+          </p:nvSpPr>
+          <p:spPr>
+            <a:xfrm rot="1500000">
+              <a:off x="5592" y="3589"/>
+              <a:ext cx="1179" cy="432"/>
+            </a:xfrm>
+            <a:prstGeom prst="rect">
+              <a:avLst/>
+            </a:prstGeom>
+            <a:noFill/>
+          </p:spPr>
+          <p:txBody>
+            <a:bodyPr wrap="square" rtlCol="0">
+              <a:spAutoFit/>
+            </a:bodyPr>
+            <a:p>
+              <a:r>
+                <a:rPr lang="zh-CN" altLang="en-US" sz="1200"/>
+                <a:t>接收</a:t>
+              </a:r>
+              <a:endParaRPr lang="zh-CN" altLang="en-US" sz="1200"/>
+            </a:p>
+          </p:txBody>
+        </p:sp>
+      </p:grpSp>
     </p:spTree>
   </p:cSld>
   <p:clrMapOvr>
